--- a/Report-1.pptx
+++ b/Report-1.pptx
@@ -2,7 +2,7 @@
 <file path=ppt/presentation.xml><?xml version="1.0" encoding="utf-8"?>
 <p:presentation xmlns:a="http://schemas.openxmlformats.org/drawingml/2006/main" xmlns:r="http://schemas.openxmlformats.org/officeDocument/2006/relationships" xmlns:p="http://schemas.openxmlformats.org/presentationml/2006/main" saveSubsetFonts="1">
   <p:sldMasterIdLst>
-    <p:sldMasterId id="2147483648" r:id="rId1"/>
+    <p:sldMasterId id="2147483696" r:id="rId1"/>
   </p:sldMasterIdLst>
   <p:sldIdLst>
     <p:sldId id="256" r:id="rId2"/>
@@ -18,7 +18,7 @@
     <a:defPPr>
       <a:defRPr lang="en-US"/>
     </a:defPPr>
-    <a:lvl1pPr marL="0" algn="l" defTabSz="914400" rtl="0" eaLnBrk="1" latinLnBrk="0" hangingPunct="1">
+    <a:lvl1pPr marL="0" algn="l" defTabSz="457200" rtl="0" eaLnBrk="1" latinLnBrk="0" hangingPunct="1">
       <a:defRPr sz="1800" kern="1200">
         <a:solidFill>
           <a:schemeClr val="tx1"/>
@@ -28,7 +28,7 @@
         <a:cs typeface="+mn-cs"/>
       </a:defRPr>
     </a:lvl1pPr>
-    <a:lvl2pPr marL="457200" algn="l" defTabSz="914400" rtl="0" eaLnBrk="1" latinLnBrk="0" hangingPunct="1">
+    <a:lvl2pPr marL="457200" algn="l" defTabSz="457200" rtl="0" eaLnBrk="1" latinLnBrk="0" hangingPunct="1">
       <a:defRPr sz="1800" kern="1200">
         <a:solidFill>
           <a:schemeClr val="tx1"/>
@@ -38,7 +38,7 @@
         <a:cs typeface="+mn-cs"/>
       </a:defRPr>
     </a:lvl2pPr>
-    <a:lvl3pPr marL="914400" algn="l" defTabSz="914400" rtl="0" eaLnBrk="1" latinLnBrk="0" hangingPunct="1">
+    <a:lvl3pPr marL="914400" algn="l" defTabSz="457200" rtl="0" eaLnBrk="1" latinLnBrk="0" hangingPunct="1">
       <a:defRPr sz="1800" kern="1200">
         <a:solidFill>
           <a:schemeClr val="tx1"/>
@@ -48,7 +48,7 @@
         <a:cs typeface="+mn-cs"/>
       </a:defRPr>
     </a:lvl3pPr>
-    <a:lvl4pPr marL="1371600" algn="l" defTabSz="914400" rtl="0" eaLnBrk="1" latinLnBrk="0" hangingPunct="1">
+    <a:lvl4pPr marL="1371600" algn="l" defTabSz="457200" rtl="0" eaLnBrk="1" latinLnBrk="0" hangingPunct="1">
       <a:defRPr sz="1800" kern="1200">
         <a:solidFill>
           <a:schemeClr val="tx1"/>
@@ -58,7 +58,7 @@
         <a:cs typeface="+mn-cs"/>
       </a:defRPr>
     </a:lvl4pPr>
-    <a:lvl5pPr marL="1828800" algn="l" defTabSz="914400" rtl="0" eaLnBrk="1" latinLnBrk="0" hangingPunct="1">
+    <a:lvl5pPr marL="1828800" algn="l" defTabSz="457200" rtl="0" eaLnBrk="1" latinLnBrk="0" hangingPunct="1">
       <a:defRPr sz="1800" kern="1200">
         <a:solidFill>
           <a:schemeClr val="tx1"/>
@@ -68,7 +68,7 @@
         <a:cs typeface="+mn-cs"/>
       </a:defRPr>
     </a:lvl5pPr>
-    <a:lvl6pPr marL="2286000" algn="l" defTabSz="914400" rtl="0" eaLnBrk="1" latinLnBrk="0" hangingPunct="1">
+    <a:lvl6pPr marL="2286000" algn="l" defTabSz="457200" rtl="0" eaLnBrk="1" latinLnBrk="0" hangingPunct="1">
       <a:defRPr sz="1800" kern="1200">
         <a:solidFill>
           <a:schemeClr val="tx1"/>
@@ -78,7 +78,7 @@
         <a:cs typeface="+mn-cs"/>
       </a:defRPr>
     </a:lvl6pPr>
-    <a:lvl7pPr marL="2743200" algn="l" defTabSz="914400" rtl="0" eaLnBrk="1" latinLnBrk="0" hangingPunct="1">
+    <a:lvl7pPr marL="2743200" algn="l" defTabSz="457200" rtl="0" eaLnBrk="1" latinLnBrk="0" hangingPunct="1">
       <a:defRPr sz="1800" kern="1200">
         <a:solidFill>
           <a:schemeClr val="tx1"/>
@@ -88,7 +88,7 @@
         <a:cs typeface="+mn-cs"/>
       </a:defRPr>
     </a:lvl7pPr>
-    <a:lvl8pPr marL="3200400" algn="l" defTabSz="914400" rtl="0" eaLnBrk="1" latinLnBrk="0" hangingPunct="1">
+    <a:lvl8pPr marL="3200400" algn="l" defTabSz="457200" rtl="0" eaLnBrk="1" latinLnBrk="0" hangingPunct="1">
       <a:defRPr sz="1800" kern="1200">
         <a:solidFill>
           <a:schemeClr val="tx1"/>
@@ -98,7 +98,7 @@
         <a:cs typeface="+mn-cs"/>
       </a:defRPr>
     </a:lvl8pPr>
-    <a:lvl9pPr marL="3657600" algn="l" defTabSz="914400" rtl="0" eaLnBrk="1" latinLnBrk="0" hangingPunct="1">
+    <a:lvl9pPr marL="3657600" algn="l" defTabSz="457200" rtl="0" eaLnBrk="1" latinLnBrk="0" hangingPunct="1">
       <a:defRPr sz="1800" kern="1200">
         <a:solidFill>
           <a:schemeClr val="tx1"/>
@@ -162,7 +162,7 @@
               <a:rPr lang="en-US" smtClean="0"/>
               <a:t>Click to edit Master title style</a:t>
             </a:r>
-            <a:endParaRPr lang="en-GB"/>
+            <a:endParaRPr lang="en-US" dirty="0"/>
           </a:p>
         </p:txBody>
       </p:sp>
@@ -227,7 +227,7 @@
               <a:rPr lang="en-US" smtClean="0"/>
               <a:t>Click to edit Master subtitle style</a:t>
             </a:r>
-            <a:endParaRPr lang="en-GB"/>
+            <a:endParaRPr lang="en-US" dirty="0"/>
           </a:p>
         </p:txBody>
       </p:sp>
@@ -248,7 +248,7 @@
           <a:p>
             <a:fld id="{433AF69E-A9C8-47BC-BF69-BDDF2A5FAE4C}" type="datetimeFigureOut">
               <a:rPr lang="en-GB" smtClean="0"/>
-              <a:t>09/06/2022</a:t>
+              <a:t>12/06/2022</a:t>
             </a:fld>
             <a:endParaRPr lang="en-GB"/>
           </a:p>
@@ -299,7 +299,7 @@
     </p:spTree>
     <p:extLst>
       <p:ext uri="{BB962C8B-B14F-4D97-AF65-F5344CB8AC3E}">
-        <p14:creationId xmlns:p14="http://schemas.microsoft.com/office/powerpoint/2010/main" val="2577334574"/>
+        <p14:creationId xmlns:p14="http://schemas.microsoft.com/office/powerpoint/2010/main" val="1104664519"/>
       </p:ext>
     </p:extLst>
   </p:cSld>
@@ -345,7 +345,7 @@
               <a:rPr lang="en-US" smtClean="0"/>
               <a:t>Click to edit Master title style</a:t>
             </a:r>
-            <a:endParaRPr lang="en-GB"/>
+            <a:endParaRPr lang="en-US" dirty="0"/>
           </a:p>
         </p:txBody>
       </p:sp>
@@ -397,7 +397,7 @@
               <a:rPr lang="en-US" smtClean="0"/>
               <a:t>Fifth level</a:t>
             </a:r>
-            <a:endParaRPr lang="en-GB"/>
+            <a:endParaRPr lang="en-US" dirty="0"/>
           </a:p>
         </p:txBody>
       </p:sp>
@@ -418,7 +418,7 @@
           <a:p>
             <a:fld id="{433AF69E-A9C8-47BC-BF69-BDDF2A5FAE4C}" type="datetimeFigureOut">
               <a:rPr lang="en-GB" smtClean="0"/>
-              <a:t>09/06/2022</a:t>
+              <a:t>12/06/2022</a:t>
             </a:fld>
             <a:endParaRPr lang="en-GB"/>
           </a:p>
@@ -469,7 +469,7 @@
     </p:spTree>
     <p:extLst>
       <p:ext uri="{BB962C8B-B14F-4D97-AF65-F5344CB8AC3E}">
-        <p14:creationId xmlns:p14="http://schemas.microsoft.com/office/powerpoint/2010/main" val="2213810209"/>
+        <p14:creationId xmlns:p14="http://schemas.microsoft.com/office/powerpoint/2010/main" val="3639169245"/>
       </p:ext>
     </p:extLst>
   </p:cSld>
@@ -520,7 +520,7 @@
               <a:rPr lang="en-US" smtClean="0"/>
               <a:t>Click to edit Master title style</a:t>
             </a:r>
-            <a:endParaRPr lang="en-GB"/>
+            <a:endParaRPr lang="en-US" dirty="0"/>
           </a:p>
         </p:txBody>
       </p:sp>
@@ -577,7 +577,7 @@
               <a:rPr lang="en-US" smtClean="0"/>
               <a:t>Fifth level</a:t>
             </a:r>
-            <a:endParaRPr lang="en-GB"/>
+            <a:endParaRPr lang="en-US" dirty="0"/>
           </a:p>
         </p:txBody>
       </p:sp>
@@ -598,7 +598,7 @@
           <a:p>
             <a:fld id="{433AF69E-A9C8-47BC-BF69-BDDF2A5FAE4C}" type="datetimeFigureOut">
               <a:rPr lang="en-GB" smtClean="0"/>
-              <a:t>09/06/2022</a:t>
+              <a:t>12/06/2022</a:t>
             </a:fld>
             <a:endParaRPr lang="en-GB"/>
           </a:p>
@@ -649,7 +649,7 @@
     </p:spTree>
     <p:extLst>
       <p:ext uri="{BB962C8B-B14F-4D97-AF65-F5344CB8AC3E}">
-        <p14:creationId xmlns:p14="http://schemas.microsoft.com/office/powerpoint/2010/main" val="2189417726"/>
+        <p14:creationId xmlns:p14="http://schemas.microsoft.com/office/powerpoint/2010/main" val="2604537629"/>
       </p:ext>
     </p:extLst>
   </p:cSld>
@@ -695,7 +695,7 @@
               <a:rPr lang="en-US" smtClean="0"/>
               <a:t>Click to edit Master title style</a:t>
             </a:r>
-            <a:endParaRPr lang="en-GB"/>
+            <a:endParaRPr lang="en-US" dirty="0"/>
           </a:p>
         </p:txBody>
       </p:sp>
@@ -747,7 +747,7 @@
               <a:rPr lang="en-US" smtClean="0"/>
               <a:t>Fifth level</a:t>
             </a:r>
-            <a:endParaRPr lang="en-GB"/>
+            <a:endParaRPr lang="en-US" dirty="0"/>
           </a:p>
         </p:txBody>
       </p:sp>
@@ -768,7 +768,7 @@
           <a:p>
             <a:fld id="{433AF69E-A9C8-47BC-BF69-BDDF2A5FAE4C}" type="datetimeFigureOut">
               <a:rPr lang="en-GB" smtClean="0"/>
-              <a:t>09/06/2022</a:t>
+              <a:t>12/06/2022</a:t>
             </a:fld>
             <a:endParaRPr lang="en-GB"/>
           </a:p>
@@ -819,7 +819,7 @@
     </p:spTree>
     <p:extLst>
       <p:ext uri="{BB962C8B-B14F-4D97-AF65-F5344CB8AC3E}">
-        <p14:creationId xmlns:p14="http://schemas.microsoft.com/office/powerpoint/2010/main" val="4140480607"/>
+        <p14:creationId xmlns:p14="http://schemas.microsoft.com/office/powerpoint/2010/main" val="2192029719"/>
       </p:ext>
     </p:extLst>
   </p:cSld>
@@ -874,7 +874,7 @@
               <a:rPr lang="en-US" smtClean="0"/>
               <a:t>Click to edit Master title style</a:t>
             </a:r>
-            <a:endParaRPr lang="en-GB"/>
+            <a:endParaRPr lang="en-US" dirty="0"/>
           </a:p>
         </p:txBody>
       </p:sp>
@@ -1014,7 +1014,7 @@
           <a:p>
             <a:fld id="{433AF69E-A9C8-47BC-BF69-BDDF2A5FAE4C}" type="datetimeFigureOut">
               <a:rPr lang="en-GB" smtClean="0"/>
-              <a:t>09/06/2022</a:t>
+              <a:t>12/06/2022</a:t>
             </a:fld>
             <a:endParaRPr lang="en-GB"/>
           </a:p>
@@ -1065,7 +1065,7 @@
     </p:spTree>
     <p:extLst>
       <p:ext uri="{BB962C8B-B14F-4D97-AF65-F5344CB8AC3E}">
-        <p14:creationId xmlns:p14="http://schemas.microsoft.com/office/powerpoint/2010/main" val="602496960"/>
+        <p14:creationId xmlns:p14="http://schemas.microsoft.com/office/powerpoint/2010/main" val="3806381525"/>
       </p:ext>
     </p:extLst>
   </p:cSld>
@@ -1111,7 +1111,7 @@
               <a:rPr lang="en-US" smtClean="0"/>
               <a:t>Click to edit Master title style</a:t>
             </a:r>
-            <a:endParaRPr lang="en-GB"/>
+            <a:endParaRPr lang="en-US" dirty="0"/>
           </a:p>
         </p:txBody>
       </p:sp>
@@ -1168,7 +1168,7 @@
               <a:rPr lang="en-US" smtClean="0"/>
               <a:t>Fifth level</a:t>
             </a:r>
-            <a:endParaRPr lang="en-GB"/>
+            <a:endParaRPr lang="en-US" dirty="0"/>
           </a:p>
         </p:txBody>
       </p:sp>
@@ -1225,7 +1225,7 @@
               <a:rPr lang="en-US" smtClean="0"/>
               <a:t>Fifth level</a:t>
             </a:r>
-            <a:endParaRPr lang="en-GB"/>
+            <a:endParaRPr lang="en-US" dirty="0"/>
           </a:p>
         </p:txBody>
       </p:sp>
@@ -1246,7 +1246,7 @@
           <a:p>
             <a:fld id="{433AF69E-A9C8-47BC-BF69-BDDF2A5FAE4C}" type="datetimeFigureOut">
               <a:rPr lang="en-GB" smtClean="0"/>
-              <a:t>09/06/2022</a:t>
+              <a:t>12/06/2022</a:t>
             </a:fld>
             <a:endParaRPr lang="en-GB"/>
           </a:p>
@@ -1297,7 +1297,7 @@
     </p:spTree>
     <p:extLst>
       <p:ext uri="{BB962C8B-B14F-4D97-AF65-F5344CB8AC3E}">
-        <p14:creationId xmlns:p14="http://schemas.microsoft.com/office/powerpoint/2010/main" val="2266553096"/>
+        <p14:creationId xmlns:p14="http://schemas.microsoft.com/office/powerpoint/2010/main" val="748785902"/>
       </p:ext>
     </p:extLst>
   </p:cSld>
@@ -1348,7 +1348,7 @@
               <a:rPr lang="en-US" smtClean="0"/>
               <a:t>Click to edit Master title style</a:t>
             </a:r>
-            <a:endParaRPr lang="en-GB"/>
+            <a:endParaRPr lang="en-US" dirty="0"/>
           </a:p>
         </p:txBody>
       </p:sp>
@@ -1470,7 +1470,7 @@
               <a:rPr lang="en-US" smtClean="0"/>
               <a:t>Fifth level</a:t>
             </a:r>
-            <a:endParaRPr lang="en-GB"/>
+            <a:endParaRPr lang="en-US" dirty="0"/>
           </a:p>
         </p:txBody>
       </p:sp>
@@ -1592,7 +1592,7 @@
               <a:rPr lang="en-US" smtClean="0"/>
               <a:t>Fifth level</a:t>
             </a:r>
-            <a:endParaRPr lang="en-GB"/>
+            <a:endParaRPr lang="en-US" dirty="0"/>
           </a:p>
         </p:txBody>
       </p:sp>
@@ -1613,7 +1613,7 @@
           <a:p>
             <a:fld id="{433AF69E-A9C8-47BC-BF69-BDDF2A5FAE4C}" type="datetimeFigureOut">
               <a:rPr lang="en-GB" smtClean="0"/>
-              <a:t>09/06/2022</a:t>
+              <a:t>12/06/2022</a:t>
             </a:fld>
             <a:endParaRPr lang="en-GB"/>
           </a:p>
@@ -1664,7 +1664,7 @@
     </p:spTree>
     <p:extLst>
       <p:ext uri="{BB962C8B-B14F-4D97-AF65-F5344CB8AC3E}">
-        <p14:creationId xmlns:p14="http://schemas.microsoft.com/office/powerpoint/2010/main" val="945319043"/>
+        <p14:creationId xmlns:p14="http://schemas.microsoft.com/office/powerpoint/2010/main" val="801919116"/>
       </p:ext>
     </p:extLst>
   </p:cSld>
@@ -1710,7 +1710,7 @@
               <a:rPr lang="en-US" smtClean="0"/>
               <a:t>Click to edit Master title style</a:t>
             </a:r>
-            <a:endParaRPr lang="en-GB"/>
+            <a:endParaRPr lang="en-US" dirty="0"/>
           </a:p>
         </p:txBody>
       </p:sp>
@@ -1731,7 +1731,7 @@
           <a:p>
             <a:fld id="{433AF69E-A9C8-47BC-BF69-BDDF2A5FAE4C}" type="datetimeFigureOut">
               <a:rPr lang="en-GB" smtClean="0"/>
-              <a:t>09/06/2022</a:t>
+              <a:t>12/06/2022</a:t>
             </a:fld>
             <a:endParaRPr lang="en-GB"/>
           </a:p>
@@ -1782,7 +1782,7 @@
     </p:spTree>
     <p:extLst>
       <p:ext uri="{BB962C8B-B14F-4D97-AF65-F5344CB8AC3E}">
-        <p14:creationId xmlns:p14="http://schemas.microsoft.com/office/powerpoint/2010/main" val="1191557490"/>
+        <p14:creationId xmlns:p14="http://schemas.microsoft.com/office/powerpoint/2010/main" val="655619560"/>
       </p:ext>
     </p:extLst>
   </p:cSld>
@@ -1826,7 +1826,7 @@
           <a:p>
             <a:fld id="{433AF69E-A9C8-47BC-BF69-BDDF2A5FAE4C}" type="datetimeFigureOut">
               <a:rPr lang="en-GB" smtClean="0"/>
-              <a:t>09/06/2022</a:t>
+              <a:t>12/06/2022</a:t>
             </a:fld>
             <a:endParaRPr lang="en-GB"/>
           </a:p>
@@ -1877,7 +1877,7 @@
     </p:spTree>
     <p:extLst>
       <p:ext uri="{BB962C8B-B14F-4D97-AF65-F5344CB8AC3E}">
-        <p14:creationId xmlns:p14="http://schemas.microsoft.com/office/powerpoint/2010/main" val="676329267"/>
+        <p14:creationId xmlns:p14="http://schemas.microsoft.com/office/powerpoint/2010/main" val="693748591"/>
       </p:ext>
     </p:extLst>
   </p:cSld>
@@ -1932,7 +1932,7 @@
               <a:rPr lang="en-US" smtClean="0"/>
               <a:t>Click to edit Master title style</a:t>
             </a:r>
-            <a:endParaRPr lang="en-GB"/>
+            <a:endParaRPr lang="en-US" dirty="0"/>
           </a:p>
         </p:txBody>
       </p:sp>
@@ -2017,7 +2017,7 @@
               <a:rPr lang="en-US" smtClean="0"/>
               <a:t>Fifth level</a:t>
             </a:r>
-            <a:endParaRPr lang="en-GB"/>
+            <a:endParaRPr lang="en-US" dirty="0"/>
           </a:p>
         </p:txBody>
       </p:sp>
@@ -2103,7 +2103,7 @@
           <a:p>
             <a:fld id="{433AF69E-A9C8-47BC-BF69-BDDF2A5FAE4C}" type="datetimeFigureOut">
               <a:rPr lang="en-GB" smtClean="0"/>
-              <a:t>09/06/2022</a:t>
+              <a:t>12/06/2022</a:t>
             </a:fld>
             <a:endParaRPr lang="en-GB"/>
           </a:p>
@@ -2154,7 +2154,7 @@
     </p:spTree>
     <p:extLst>
       <p:ext uri="{BB962C8B-B14F-4D97-AF65-F5344CB8AC3E}">
-        <p14:creationId xmlns:p14="http://schemas.microsoft.com/office/powerpoint/2010/main" val="1788939105"/>
+        <p14:creationId xmlns:p14="http://schemas.microsoft.com/office/powerpoint/2010/main" val="2859696280"/>
       </p:ext>
     </p:extLst>
   </p:cSld>
@@ -2209,7 +2209,7 @@
               <a:rPr lang="en-US" smtClean="0"/>
               <a:t>Click to edit Master title style</a:t>
             </a:r>
-            <a:endParaRPr lang="en-GB"/>
+            <a:endParaRPr lang="en-US" dirty="0"/>
           </a:p>
         </p:txBody>
       </p:sp>
@@ -2217,7 +2217,7 @@
         <p:nvSpPr>
           <p:cNvPr id="3" name="Picture Placeholder 2"/>
           <p:cNvSpPr>
-            <a:spLocks noGrp="1"/>
+            <a:spLocks noGrp="1" noChangeAspect="1"/>
           </p:cNvSpPr>
           <p:nvPr>
             <p:ph type="pic" idx="1"/>
@@ -2230,7 +2230,7 @@
           </a:xfrm>
         </p:spPr>
         <p:txBody>
-          <a:bodyPr/>
+          <a:bodyPr anchor="t"/>
           <a:lstStyle>
             <a:lvl1pPr marL="0" indent="0">
               <a:buNone/>
@@ -2270,7 +2270,11 @@
             </a:lvl9pPr>
           </a:lstStyle>
           <a:p>
-            <a:endParaRPr lang="en-GB"/>
+            <a:r>
+              <a:rPr lang="en-US" smtClean="0"/>
+              <a:t>Click icon to add picture</a:t>
+            </a:r>
+            <a:endParaRPr lang="en-US" dirty="0"/>
           </a:p>
         </p:txBody>
       </p:sp>
@@ -2356,7 +2360,7 @@
           <a:p>
             <a:fld id="{433AF69E-A9C8-47BC-BF69-BDDF2A5FAE4C}" type="datetimeFigureOut">
               <a:rPr lang="en-GB" smtClean="0"/>
-              <a:t>09/06/2022</a:t>
+              <a:t>12/06/2022</a:t>
             </a:fld>
             <a:endParaRPr lang="en-GB"/>
           </a:p>
@@ -2407,7 +2411,7 @@
     </p:spTree>
     <p:extLst>
       <p:ext uri="{BB962C8B-B14F-4D97-AF65-F5344CB8AC3E}">
-        <p14:creationId xmlns:p14="http://schemas.microsoft.com/office/powerpoint/2010/main" val="2277311970"/>
+        <p14:creationId xmlns:p14="http://schemas.microsoft.com/office/powerpoint/2010/main" val="1639143308"/>
       </p:ext>
     </p:extLst>
   </p:cSld>
@@ -2468,7 +2472,7 @@
               <a:rPr lang="en-US" smtClean="0"/>
               <a:t>Click to edit Master title style</a:t>
             </a:r>
-            <a:endParaRPr lang="en-GB"/>
+            <a:endParaRPr lang="en-US" dirty="0"/>
           </a:p>
         </p:txBody>
       </p:sp>
@@ -2530,7 +2534,7 @@
               <a:rPr lang="en-US" smtClean="0"/>
               <a:t>Fifth level</a:t>
             </a:r>
-            <a:endParaRPr lang="en-GB"/>
+            <a:endParaRPr lang="en-US" dirty="0"/>
           </a:p>
         </p:txBody>
       </p:sp>
@@ -2569,7 +2573,7 @@
           <a:p>
             <a:fld id="{433AF69E-A9C8-47BC-BF69-BDDF2A5FAE4C}" type="datetimeFigureOut">
               <a:rPr lang="en-GB" smtClean="0"/>
-              <a:t>09/06/2022</a:t>
+              <a:t>12/06/2022</a:t>
             </a:fld>
             <a:endParaRPr lang="en-GB"/>
           </a:p>
@@ -2656,23 +2660,23 @@
     </p:spTree>
     <p:extLst>
       <p:ext uri="{BB962C8B-B14F-4D97-AF65-F5344CB8AC3E}">
-        <p14:creationId xmlns:p14="http://schemas.microsoft.com/office/powerpoint/2010/main" val="102554918"/>
+        <p14:creationId xmlns:p14="http://schemas.microsoft.com/office/powerpoint/2010/main" val="2858956854"/>
       </p:ext>
     </p:extLst>
   </p:cSld>
   <p:clrMap bg1="lt1" tx1="dk1" bg2="lt2" tx2="dk2" accent1="accent1" accent2="accent2" accent3="accent3" accent4="accent4" accent5="accent5" accent6="accent6" hlink="hlink" folHlink="folHlink"/>
   <p:sldLayoutIdLst>
-    <p:sldLayoutId id="2147483649" r:id="rId1"/>
-    <p:sldLayoutId id="2147483650" r:id="rId2"/>
-    <p:sldLayoutId id="2147483651" r:id="rId3"/>
-    <p:sldLayoutId id="2147483652" r:id="rId4"/>
-    <p:sldLayoutId id="2147483653" r:id="rId5"/>
-    <p:sldLayoutId id="2147483654" r:id="rId6"/>
-    <p:sldLayoutId id="2147483655" r:id="rId7"/>
-    <p:sldLayoutId id="2147483656" r:id="rId8"/>
-    <p:sldLayoutId id="2147483657" r:id="rId9"/>
-    <p:sldLayoutId id="2147483658" r:id="rId10"/>
-    <p:sldLayoutId id="2147483659" r:id="rId11"/>
+    <p:sldLayoutId id="2147483697" r:id="rId1"/>
+    <p:sldLayoutId id="2147483698" r:id="rId2"/>
+    <p:sldLayoutId id="2147483699" r:id="rId3"/>
+    <p:sldLayoutId id="2147483700" r:id="rId4"/>
+    <p:sldLayoutId id="2147483701" r:id="rId5"/>
+    <p:sldLayoutId id="2147483702" r:id="rId6"/>
+    <p:sldLayoutId id="2147483703" r:id="rId7"/>
+    <p:sldLayoutId id="2147483704" r:id="rId8"/>
+    <p:sldLayoutId id="2147483705" r:id="rId9"/>
+    <p:sldLayoutId id="2147483706" r:id="rId10"/>
+    <p:sldLayoutId id="2147483707" r:id="rId11"/>
   </p:sldLayoutIdLst>
   <p:txStyles>
     <p:titleStyle>
@@ -2990,10 +2994,14 @@
           <a:lstStyle/>
           <a:p>
             <a:r>
-              <a:rPr lang="en-GB" dirty="0" smtClean="0"/>
+              <a:rPr lang="en-GB" dirty="0" smtClean="0">
+                <a:latin typeface="Algerian" panose="04020705040A02060702" pitchFamily="82" charset="0"/>
+              </a:rPr>
               <a:t>Report 1</a:t>
             </a:r>
-            <a:endParaRPr lang="en-GB" dirty="0"/>
+            <a:endParaRPr lang="en-GB" dirty="0">
+              <a:latin typeface="Algerian" panose="04020705040A02060702" pitchFamily="82" charset="0"/>
+            </a:endParaRPr>
           </a:p>
         </p:txBody>
       </p:sp>
@@ -3013,10 +3021,16 @@
           <a:lstStyle/>
           <a:p>
             <a:r>
-              <a:rPr lang="en-GB" dirty="0" smtClean="0"/>
+              <a:rPr lang="en-GB" dirty="0" smtClean="0">
+                <a:latin typeface="Times New Roman" panose="02020603050405020304" pitchFamily="18" charset="0"/>
+                <a:cs typeface="Times New Roman" panose="02020603050405020304" pitchFamily="18" charset="0"/>
+              </a:rPr>
               <a:t>AWS Research and Python App</a:t>
             </a:r>
-            <a:endParaRPr lang="en-GB" dirty="0"/>
+            <a:endParaRPr lang="en-GB" dirty="0">
+              <a:latin typeface="Times New Roman" panose="02020603050405020304" pitchFamily="18" charset="0"/>
+              <a:cs typeface="Times New Roman" panose="02020603050405020304" pitchFamily="18" charset="0"/>
+            </a:endParaRPr>
           </a:p>
         </p:txBody>
       </p:sp>
@@ -3097,112 +3111,158 @@
         <p:spPr/>
         <p:txBody>
           <a:bodyPr>
-            <a:normAutofit fontScale="92500" lnSpcReduction="10000"/>
+            <a:normAutofit lnSpcReduction="10000"/>
           </a:bodyPr>
           <a:lstStyle/>
           <a:p>
             <a:r>
-              <a:rPr lang="en-GB" dirty="0" smtClean="0"/>
+              <a:rPr lang="en-GB" b="1" dirty="0" smtClean="0">
+                <a:cs typeface="Times New Roman" panose="02020603050405020304" pitchFamily="18" charset="0"/>
+              </a:rPr>
               <a:t>Amazon S3:</a:t>
             </a:r>
           </a:p>
           <a:p>
             <a:pPr lvl="1"/>
             <a:r>
-              <a:rPr lang="en-GB" dirty="0"/>
+              <a:rPr lang="en-GB" sz="2200" dirty="0">
+                <a:cs typeface="Times New Roman" panose="02020603050405020304" pitchFamily="18" charset="0"/>
+              </a:rPr>
               <a:t>i</a:t>
             </a:r>
             <a:r>
-              <a:rPr lang="en-GB" dirty="0" smtClean="0"/>
+              <a:rPr lang="en-GB" sz="2200" dirty="0" smtClean="0">
+                <a:cs typeface="Times New Roman" panose="02020603050405020304" pitchFamily="18" charset="0"/>
+              </a:rPr>
               <a:t>s an object </a:t>
             </a:r>
             <a:r>
-              <a:rPr lang="en-GB" dirty="0"/>
+              <a:rPr lang="en-GB" sz="2200" dirty="0">
+                <a:cs typeface="Times New Roman" panose="02020603050405020304" pitchFamily="18" charset="0"/>
+              </a:rPr>
               <a:t>storage service that offers industry-leading scalability, data availability, security, and </a:t>
             </a:r>
             <a:r>
-              <a:rPr lang="en-GB" dirty="0" smtClean="0"/>
+              <a:rPr lang="en-GB" sz="2200" dirty="0" smtClean="0">
+                <a:cs typeface="Times New Roman" panose="02020603050405020304" pitchFamily="18" charset="0"/>
+              </a:rPr>
               <a:t>performance</a:t>
             </a:r>
           </a:p>
           <a:p>
             <a:pPr lvl="1"/>
             <a:r>
-              <a:rPr lang="en-GB" dirty="0"/>
+              <a:rPr lang="en-GB" sz="2200" dirty="0">
+                <a:cs typeface="Times New Roman" panose="02020603050405020304" pitchFamily="18" charset="0"/>
+              </a:rPr>
               <a:t>a</a:t>
             </a:r>
             <a:r>
-              <a:rPr lang="en-GB" dirty="0" smtClean="0"/>
+              <a:rPr lang="en-GB" sz="2200" dirty="0" smtClean="0">
+                <a:cs typeface="Times New Roman" panose="02020603050405020304" pitchFamily="18" charset="0"/>
+              </a:rPr>
               <a:t>ny amount of data for a range of use cases can be stored, such </a:t>
             </a:r>
             <a:r>
-              <a:rPr lang="en-GB" dirty="0"/>
+              <a:rPr lang="en-GB" sz="2200" dirty="0">
+                <a:cs typeface="Times New Roman" panose="02020603050405020304" pitchFamily="18" charset="0"/>
+              </a:rPr>
               <a:t>as data lakes, websites, mobile applications, backup and restore, archive, enterprise applications, </a:t>
             </a:r>
             <a:r>
-              <a:rPr lang="en-GB" dirty="0" err="1"/>
+              <a:rPr lang="en-GB" sz="2200" dirty="0" err="1">
+                <a:cs typeface="Times New Roman" panose="02020603050405020304" pitchFamily="18" charset="0"/>
+              </a:rPr>
               <a:t>IoT</a:t>
             </a:r>
             <a:r>
-              <a:rPr lang="en-GB" dirty="0"/>
+              <a:rPr lang="en-GB" sz="2200" dirty="0">
+                <a:cs typeface="Times New Roman" panose="02020603050405020304" pitchFamily="18" charset="0"/>
+              </a:rPr>
               <a:t> devices, and big data </a:t>
             </a:r>
             <a:r>
-              <a:rPr lang="en-GB" dirty="0" smtClean="0"/>
+              <a:rPr lang="en-GB" sz="2200" dirty="0" smtClean="0">
+                <a:cs typeface="Times New Roman" panose="02020603050405020304" pitchFamily="18" charset="0"/>
+              </a:rPr>
               <a:t>analytics</a:t>
             </a:r>
           </a:p>
           <a:p>
             <a:pPr lvl="1"/>
             <a:r>
-              <a:rPr lang="en-GB" dirty="0"/>
+              <a:rPr lang="en-GB" sz="2200" dirty="0">
+                <a:cs typeface="Times New Roman" panose="02020603050405020304" pitchFamily="18" charset="0"/>
+              </a:rPr>
               <a:t>provides management features so that you can optimize, organize, and configure access to your data to meet your specific business, organizational, and compliance </a:t>
             </a:r>
             <a:r>
-              <a:rPr lang="en-GB" dirty="0" smtClean="0"/>
+              <a:rPr lang="en-GB" sz="2200" dirty="0" smtClean="0">
+                <a:cs typeface="Times New Roman" panose="02020603050405020304" pitchFamily="18" charset="0"/>
+              </a:rPr>
               <a:t>requirements</a:t>
             </a:r>
           </a:p>
           <a:p>
             <a:r>
-              <a:rPr lang="en-GB" dirty="0"/>
+              <a:rPr lang="en-GB" b="1" dirty="0">
+                <a:cs typeface="Times New Roman" panose="02020603050405020304" pitchFamily="18" charset="0"/>
+              </a:rPr>
               <a:t>Amazon </a:t>
             </a:r>
             <a:r>
-              <a:rPr lang="en-GB" dirty="0" smtClean="0"/>
+              <a:rPr lang="en-GB" b="1" dirty="0" smtClean="0">
+                <a:cs typeface="Times New Roman" panose="02020603050405020304" pitchFamily="18" charset="0"/>
+              </a:rPr>
               <a:t>Aurora:</a:t>
             </a:r>
-            <a:endParaRPr lang="en-GB" dirty="0"/>
+            <a:endParaRPr lang="en-GB" b="1" dirty="0">
+              <a:cs typeface="Times New Roman" panose="02020603050405020304" pitchFamily="18" charset="0"/>
+            </a:endParaRPr>
           </a:p>
           <a:p>
             <a:pPr lvl="1"/>
             <a:r>
-              <a:rPr lang="en-GB" dirty="0" smtClean="0"/>
+              <a:rPr lang="en-GB" dirty="0" smtClean="0">
+                <a:cs typeface="Times New Roman" panose="02020603050405020304" pitchFamily="18" charset="0"/>
+              </a:rPr>
               <a:t>designed </a:t>
             </a:r>
             <a:r>
-              <a:rPr lang="en-GB" dirty="0"/>
+              <a:rPr lang="en-GB" dirty="0">
+                <a:cs typeface="Times New Roman" panose="02020603050405020304" pitchFamily="18" charset="0"/>
+              </a:rPr>
               <a:t>for unparalleled high performance and availability at global scale with full MySQL and PostgreSQL </a:t>
             </a:r>
             <a:r>
-              <a:rPr lang="en-GB" dirty="0" smtClean="0"/>
+              <a:rPr lang="en-GB" dirty="0" smtClean="0">
+                <a:cs typeface="Times New Roman" panose="02020603050405020304" pitchFamily="18" charset="0"/>
+              </a:rPr>
               <a:t>compatibility</a:t>
             </a:r>
           </a:p>
           <a:p>
             <a:pPr lvl="1"/>
             <a:r>
-              <a:rPr lang="en-GB" dirty="0"/>
+              <a:rPr lang="en-GB" dirty="0">
+                <a:cs typeface="Times New Roman" panose="02020603050405020304" pitchFamily="18" charset="0"/>
+              </a:rPr>
               <a:t>e</a:t>
             </a:r>
             <a:r>
-              <a:rPr lang="en-GB" dirty="0" smtClean="0"/>
+              <a:rPr lang="en-GB" dirty="0" smtClean="0">
+                <a:cs typeface="Times New Roman" panose="02020603050405020304" pitchFamily="18" charset="0"/>
+              </a:rPr>
               <a:t>asily migrate databases</a:t>
             </a:r>
-            <a:endParaRPr lang="en-GB" dirty="0"/>
-          </a:p>
-          <a:p>
-            <a:endParaRPr lang="en-GB" dirty="0"/>
+            <a:endParaRPr lang="en-GB" dirty="0">
+              <a:cs typeface="Times New Roman" panose="02020603050405020304" pitchFamily="18" charset="0"/>
+            </a:endParaRPr>
+          </a:p>
+          <a:p>
+            <a:endParaRPr lang="en-GB" dirty="0">
+              <a:cs typeface="Times New Roman" panose="02020603050405020304" pitchFamily="18" charset="0"/>
+            </a:endParaRPr>
           </a:p>
         </p:txBody>
       </p:sp>
@@ -3300,11 +3360,11 @@
           </a:p>
           <a:p>
             <a:r>
-              <a:rPr lang="en-GB" dirty="0" err="1" smtClean="0"/>
+              <a:rPr lang="en-GB" b="1" dirty="0" err="1" smtClean="0"/>
               <a:t>DynamoDB</a:t>
             </a:r>
             <a:r>
-              <a:rPr lang="en-GB" dirty="0" smtClean="0"/>
+              <a:rPr lang="en-GB" b="1" dirty="0" smtClean="0"/>
               <a:t>:</a:t>
             </a:r>
           </a:p>
@@ -3329,7 +3389,7 @@
           </a:p>
           <a:p>
             <a:r>
-              <a:rPr lang="en-GB" dirty="0" smtClean="0"/>
+              <a:rPr lang="en-GB" b="1" dirty="0" smtClean="0"/>
               <a:t>Redshift:</a:t>
             </a:r>
           </a:p>
@@ -3354,7 +3414,7 @@
           </a:p>
           <a:p>
             <a:r>
-              <a:rPr lang="en-GB" dirty="0" smtClean="0"/>
+              <a:rPr lang="en-GB" b="1" dirty="0" smtClean="0"/>
               <a:t>AWS Glue:</a:t>
             </a:r>
           </a:p>
@@ -3396,7 +3456,7 @@
           </a:p>
           <a:p>
             <a:r>
-              <a:rPr lang="en-GB" dirty="0" smtClean="0"/>
+              <a:rPr lang="en-GB" b="1" dirty="0" smtClean="0"/>
               <a:t>Amazon Kinesis:</a:t>
             </a:r>
           </a:p>
@@ -3412,11 +3472,12 @@
             </a:r>
             <a:r>
               <a:rPr lang="en-GB" dirty="0"/>
-              <a:t> real-time, streaming data so you can get timely insights and react quickly to new information</a:t>
-            </a:r>
-          </a:p>
-          <a:p>
-            <a:pPr lvl="1"/>
+              <a:t> real-time, streaming data so you can get timely insights and react quickly to new </a:t>
+            </a:r>
+            <a:r>
+              <a:rPr lang="en-GB" dirty="0" smtClean="0"/>
+              <a:t>information</a:t>
+            </a:r>
             <a:endParaRPr lang="en-GB" dirty="0"/>
           </a:p>
         </p:txBody>
@@ -3467,7 +3528,7 @@
           <a:lstStyle/>
           <a:p>
             <a:r>
-              <a:rPr lang="en-GB" dirty="0"/>
+              <a:rPr lang="en-GB" b="1" dirty="0"/>
               <a:t>AWS Glue vs AWS EMR:</a:t>
             </a:r>
           </a:p>
@@ -3483,14 +3544,14 @@
             <p:ph idx="1"/>
             <p:extLst>
               <p:ext uri="{D42A27DB-BD31-4B8C-83A1-F6EECF244321}">
-                <p14:modId xmlns:p14="http://schemas.microsoft.com/office/powerpoint/2010/main" val="1536395047"/>
+                <p14:modId xmlns:p14="http://schemas.microsoft.com/office/powerpoint/2010/main" val="1660232696"/>
               </p:ext>
             </p:extLst>
           </p:nvPr>
         </p:nvGraphicFramePr>
         <p:xfrm>
           <a:off x="838200" y="1825625"/>
-          <a:ext cx="10515600" cy="4722888"/>
+          <a:ext cx="10515600" cy="4707802"/>
         </p:xfrm>
         <a:graphic>
           <a:graphicData uri="http://schemas.openxmlformats.org/drawingml/2006/table">
@@ -3557,16 +3618,20 @@
                     <a:bodyPr/>
                     <a:lstStyle/>
                     <a:p>
-                      <a:pPr algn="ctr"/>
+                      <a:pPr algn="ctr">
+                        <a:lnSpc>
+                          <a:spcPct val="150000"/>
+                        </a:lnSpc>
+                      </a:pPr>
                       <a:r>
-                        <a:rPr lang="en-GB" dirty="0" smtClean="0"/>
+                        <a:rPr lang="en-GB" sz="1400" dirty="0" smtClean="0"/>
                         <a:t>In</a:t>
                       </a:r>
                       <a:r>
-                        <a:rPr lang="en-GB" baseline="0" dirty="0" smtClean="0"/>
+                        <a:rPr lang="en-GB" sz="1400" baseline="0" dirty="0" smtClean="0"/>
                         <a:t> the past 5 years AWS Glue is more popular</a:t>
                       </a:r>
-                      <a:endParaRPr lang="en-GB" dirty="0"/>
+                      <a:endParaRPr lang="en-GB" sz="1400" dirty="0"/>
                     </a:p>
                   </a:txBody>
                   <a:tcPr/>
@@ -3594,12 +3659,16 @@
                     <a:bodyPr/>
                     <a:lstStyle/>
                     <a:p>
-                      <a:pPr algn="ctr"/>
+                      <a:pPr algn="ctr">
+                        <a:lnSpc>
+                          <a:spcPct val="150000"/>
+                        </a:lnSpc>
+                      </a:pPr>
                       <a:r>
-                        <a:rPr lang="en-GB" dirty="0" err="1" smtClean="0"/>
+                        <a:rPr lang="en-GB" sz="1600" b="0" dirty="0" err="1" smtClean="0"/>
                         <a:t>Serverless</a:t>
                       </a:r>
-                      <a:endParaRPr lang="en-GB" dirty="0"/>
+                      <a:endParaRPr lang="en-GB" sz="1600" b="0" dirty="0"/>
                     </a:p>
                   </a:txBody>
                   <a:tcPr/>
@@ -3609,9 +3678,13 @@
                     <a:bodyPr/>
                     <a:lstStyle/>
                     <a:p>
-                      <a:pPr algn="ctr"/>
+                      <a:pPr algn="ctr">
+                        <a:lnSpc>
+                          <a:spcPct val="150000"/>
+                        </a:lnSpc>
+                      </a:pPr>
                       <a:r>
-                        <a:rPr lang="en-GB" sz="1800" b="0" i="0" kern="1200" dirty="0" smtClean="0">
+                        <a:rPr lang="en-GB" sz="1600" b="0" i="0" kern="1200" dirty="0" smtClean="0">
                           <a:solidFill>
                             <a:schemeClr val="dk1"/>
                           </a:solidFill>
@@ -3622,7 +3695,7 @@
                         </a:rPr>
                         <a:t>Required setup</a:t>
                       </a:r>
-                      <a:endParaRPr lang="en-GB" dirty="0"/>
+                      <a:endParaRPr lang="en-GB" sz="1600" b="0" dirty="0"/>
                     </a:p>
                   </a:txBody>
                   <a:tcPr/>
@@ -3639,12 +3712,16 @@
                     <a:bodyPr/>
                     <a:lstStyle/>
                     <a:p>
-                      <a:pPr algn="ctr"/>
+                      <a:pPr algn="ctr">
+                        <a:lnSpc>
+                          <a:spcPct val="150000"/>
+                        </a:lnSpc>
+                      </a:pPr>
                       <a:r>
-                        <a:rPr lang="en-GB" dirty="0" smtClean="0"/>
+                        <a:rPr lang="en-GB" sz="1600" b="0" dirty="0" smtClean="0"/>
                         <a:t>Flexible</a:t>
                       </a:r>
-                      <a:endParaRPr lang="en-GB" dirty="0"/>
+                      <a:endParaRPr lang="en-GB" sz="1600" b="0" dirty="0"/>
                     </a:p>
                   </a:txBody>
                   <a:tcPr/>
@@ -3654,12 +3731,16 @@
                     <a:bodyPr/>
                     <a:lstStyle/>
                     <a:p>
-                      <a:pPr algn="ctr"/>
+                      <a:pPr algn="ctr">
+                        <a:lnSpc>
+                          <a:spcPct val="150000"/>
+                        </a:lnSpc>
+                      </a:pPr>
                       <a:r>
-                        <a:rPr lang="en-GB" dirty="0" smtClean="0"/>
+                        <a:rPr lang="en-GB" sz="1600" b="0" dirty="0" smtClean="0"/>
                         <a:t>Fixed</a:t>
                       </a:r>
-                      <a:endParaRPr lang="en-GB" dirty="0"/>
+                      <a:endParaRPr lang="en-GB" sz="1600" b="0" dirty="0"/>
                     </a:p>
                   </a:txBody>
                   <a:tcPr/>
@@ -3676,12 +3757,16 @@
                     <a:bodyPr/>
                     <a:lstStyle/>
                     <a:p>
-                      <a:pPr algn="ctr"/>
+                      <a:pPr algn="ctr">
+                        <a:lnSpc>
+                          <a:spcPct val="150000"/>
+                        </a:lnSpc>
+                      </a:pPr>
                       <a:r>
-                        <a:rPr lang="en-GB" dirty="0" smtClean="0"/>
+                        <a:rPr lang="en-GB" sz="1600" b="0" dirty="0" smtClean="0"/>
                         <a:t>More expensive</a:t>
                       </a:r>
-                      <a:endParaRPr lang="en-GB" dirty="0"/>
+                      <a:endParaRPr lang="en-GB" sz="1600" b="0" dirty="0"/>
                     </a:p>
                   </a:txBody>
                   <a:tcPr/>
@@ -3691,16 +3776,20 @@
                     <a:bodyPr/>
                     <a:lstStyle/>
                     <a:p>
-                      <a:pPr algn="ctr"/>
+                      <a:pPr algn="ctr">
+                        <a:lnSpc>
+                          <a:spcPct val="150000"/>
+                        </a:lnSpc>
+                      </a:pPr>
                       <a:r>
-                        <a:rPr lang="en-GB" dirty="0" smtClean="0"/>
+                        <a:rPr lang="en-GB" sz="1600" b="0" dirty="0" smtClean="0"/>
                         <a:t>Les</a:t>
                       </a:r>
                       <a:r>
-                        <a:rPr lang="en-GB" baseline="0" dirty="0" smtClean="0"/>
+                        <a:rPr lang="en-GB" sz="1600" b="0" baseline="0" dirty="0" smtClean="0"/>
                         <a:t>s expensive</a:t>
                       </a:r>
-                      <a:endParaRPr lang="en-GB" dirty="0"/>
+                      <a:endParaRPr lang="en-GB" sz="1600" b="0" dirty="0"/>
                     </a:p>
                   </a:txBody>
                   <a:tcPr/>
@@ -3717,24 +3806,32 @@
                     <a:bodyPr/>
                     <a:lstStyle/>
                     <a:p>
-                      <a:pPr algn="ctr"/>
+                      <a:pPr algn="ctr">
+                        <a:lnSpc>
+                          <a:spcPct val="150000"/>
+                        </a:lnSpc>
+                      </a:pPr>
                       <a:r>
-                        <a:rPr lang="en-GB" dirty="0" smtClean="0"/>
+                        <a:rPr lang="en-GB" sz="1400" dirty="0" smtClean="0"/>
                         <a:t>Both</a:t>
                       </a:r>
                       <a:r>
-                        <a:rPr lang="en-GB" baseline="0" dirty="0" smtClean="0"/>
+                        <a:rPr lang="en-GB" sz="1400" baseline="0" dirty="0" smtClean="0"/>
                         <a:t> are used for ETL operations but AWS Glue is faster</a:t>
                       </a:r>
                     </a:p>
                     <a:p>
-                      <a:pPr algn="ctr"/>
+                      <a:pPr algn="ctr">
+                        <a:lnSpc>
+                          <a:spcPct val="150000"/>
+                        </a:lnSpc>
+                      </a:pPr>
                       <a:r>
-                        <a:rPr lang="en-GB" baseline="0" dirty="0" smtClean="0"/>
+                        <a:rPr lang="en-GB" sz="1400" baseline="0" dirty="0" smtClean="0"/>
                         <a:t>(</a:t>
                       </a:r>
                       <a:r>
-                        <a:rPr lang="en-GB" sz="1800" b="0" i="0" kern="1200" dirty="0" smtClean="0">
+                        <a:rPr lang="en-GB" sz="1400" b="0" i="0" kern="1200" dirty="0" smtClean="0">
                           <a:solidFill>
                             <a:schemeClr val="dk1"/>
                           </a:solidFill>
@@ -3743,9 +3840,33 @@
                           <a:ea typeface="+mn-ea"/>
                           <a:cs typeface="+mn-cs"/>
                         </a:rPr>
-                        <a:t>Amazon Glue is better from operational perspectives)</a:t>
+                        <a:t>Amazon Glue is better from </a:t>
                       </a:r>
-                      <a:endParaRPr lang="en-GB" dirty="0"/>
+                      <a:r>
+                        <a:rPr lang="en-GB" sz="1400" b="1" i="0" kern="1200" dirty="0" smtClean="0">
+                          <a:solidFill>
+                            <a:schemeClr val="dk1"/>
+                          </a:solidFill>
+                          <a:effectLst/>
+                          <a:latin typeface="+mn-lt"/>
+                          <a:ea typeface="+mn-ea"/>
+                          <a:cs typeface="+mn-cs"/>
+                        </a:rPr>
+                        <a:t>operational perspectives</a:t>
+                      </a:r>
+                      <a:r>
+                        <a:rPr lang="en-GB" sz="1400" b="0" i="0" kern="1200" dirty="0" smtClean="0">
+                          <a:solidFill>
+                            <a:schemeClr val="dk1"/>
+                          </a:solidFill>
+                          <a:effectLst/>
+                          <a:latin typeface="+mn-lt"/>
+                          <a:ea typeface="+mn-ea"/>
+                          <a:cs typeface="+mn-cs"/>
+                        </a:rPr>
+                        <a:t>)</a:t>
+                      </a:r>
+                      <a:endParaRPr lang="en-GB" sz="1400" dirty="0"/>
                     </a:p>
                   </a:txBody>
                   <a:tcPr/>
@@ -3773,9 +3894,13 @@
                     <a:bodyPr/>
                     <a:lstStyle/>
                     <a:p>
-                      <a:pPr algn="ctr"/>
+                      <a:pPr algn="r">
+                        <a:lnSpc>
+                          <a:spcPct val="150000"/>
+                        </a:lnSpc>
+                      </a:pPr>
                       <a:r>
-                        <a:rPr lang="en-GB" sz="1800" b="0" i="0" kern="1200" dirty="0" smtClean="0">
+                        <a:rPr lang="en-GB" sz="1400" b="0" i="0" kern="1200" dirty="0" smtClean="0">
                           <a:solidFill>
                             <a:schemeClr val="dk1"/>
                           </a:solidFill>
@@ -3787,7 +3912,7 @@
                         <a:t>You cannot store temp files, executable files on your end due to </a:t>
                       </a:r>
                       <a:r>
-                        <a:rPr lang="en-GB" sz="1800" b="0" i="0" kern="1200" dirty="0" err="1" smtClean="0">
+                        <a:rPr lang="en-GB" sz="1400" b="0" i="0" kern="1200" dirty="0" err="1" smtClean="0">
                           <a:solidFill>
                             <a:schemeClr val="dk1"/>
                           </a:solidFill>
@@ -3799,7 +3924,7 @@
                         <a:t>serverless</a:t>
                       </a:r>
                       <a:r>
-                        <a:rPr lang="en-GB" sz="1800" b="0" i="0" kern="1200" dirty="0" smtClean="0">
+                        <a:rPr lang="en-GB" sz="1400" b="0" i="0" kern="1200" dirty="0" smtClean="0">
                           <a:solidFill>
                             <a:schemeClr val="dk1"/>
                           </a:solidFill>
@@ -3811,7 +3936,7 @@
                         <a:t> infrastructure which</a:t>
                       </a:r>
                       <a:r>
-                        <a:rPr lang="en-GB" sz="1800" b="0" i="0" kern="1200" baseline="0" dirty="0" smtClean="0">
+                        <a:rPr lang="en-GB" sz="1400" b="0" i="0" kern="1200" baseline="0" dirty="0" smtClean="0">
                           <a:solidFill>
                             <a:schemeClr val="dk1"/>
                           </a:solidFill>
@@ -3823,7 +3948,7 @@
                         <a:t> </a:t>
                       </a:r>
                       <a:r>
-                        <a:rPr lang="en-GB" sz="1800" b="0" i="0" kern="1200" dirty="0" smtClean="0">
+                        <a:rPr lang="en-GB" sz="1400" b="0" i="0" kern="1200" dirty="0" smtClean="0">
                           <a:solidFill>
                             <a:schemeClr val="dk1"/>
                           </a:solidFill>
@@ -3834,7 +3959,7 @@
                         </a:rPr>
                         <a:t>affects the performance of the system</a:t>
                       </a:r>
-                      <a:endParaRPr lang="en-GB" dirty="0"/>
+                      <a:endParaRPr lang="en-GB" sz="1400" dirty="0"/>
                     </a:p>
                   </a:txBody>
                   <a:tcPr/>
@@ -3844,9 +3969,13 @@
                     <a:bodyPr/>
                     <a:lstStyle/>
                     <a:p>
-                      <a:pPr algn="ctr"/>
+                      <a:pPr algn="l">
+                        <a:lnSpc>
+                          <a:spcPct val="150000"/>
+                        </a:lnSpc>
+                      </a:pPr>
                       <a:r>
-                        <a:rPr lang="en-GB" sz="1800" b="0" i="0" kern="1200" dirty="0" smtClean="0">
+                        <a:rPr lang="en-GB" sz="1400" b="0" i="0" kern="1200" dirty="0" smtClean="0">
                           <a:solidFill>
                             <a:schemeClr val="dk1"/>
                           </a:solidFill>
@@ -3857,7 +3986,7 @@
                         </a:rPr>
                         <a:t> You can store these files on your end which allows you to run the database faster and enhances the overall system performance</a:t>
                       </a:r>
-                      <a:endParaRPr lang="en-GB" dirty="0"/>
+                      <a:endParaRPr lang="en-GB" sz="1400" dirty="0"/>
                     </a:p>
                   </a:txBody>
                   <a:tcPr/>
@@ -3874,9 +4003,13 @@
                     <a:bodyPr/>
                     <a:lstStyle/>
                     <a:p>
-                      <a:pPr algn="ctr"/>
+                      <a:pPr algn="ctr">
+                        <a:lnSpc>
+                          <a:spcPct val="150000"/>
+                        </a:lnSpc>
+                      </a:pPr>
                       <a:r>
-                        <a:rPr lang="en-GB" sz="1800" b="0" i="0" kern="1200" dirty="0" smtClean="0">
+                        <a:rPr lang="en-GB" sz="1400" b="0" i="0" kern="1200" dirty="0" smtClean="0">
                           <a:solidFill>
                             <a:schemeClr val="dk1"/>
                           </a:solidFill>
@@ -3885,9 +4018,33 @@
                           <a:ea typeface="+mn-ea"/>
                           <a:cs typeface="+mn-cs"/>
                         </a:rPr>
-                        <a:t>When comparing AWS Glue and Amazon EMR from performance parameters, Amazon EMR is a faster platform</a:t>
+                        <a:t>When comparing AWS Glue and Amazon EMR from </a:t>
                       </a:r>
-                      <a:endParaRPr lang="en-GB" dirty="0"/>
+                      <a:r>
+                        <a:rPr lang="en-GB" sz="1400" b="1" i="0" kern="1200" dirty="0" smtClean="0">
+                          <a:solidFill>
+                            <a:schemeClr val="dk1"/>
+                          </a:solidFill>
+                          <a:effectLst/>
+                          <a:latin typeface="+mn-lt"/>
+                          <a:ea typeface="+mn-ea"/>
+                          <a:cs typeface="+mn-cs"/>
+                        </a:rPr>
+                        <a:t>performance parameters</a:t>
+                      </a:r>
+                      <a:r>
+                        <a:rPr lang="en-GB" sz="1400" b="0" i="0" kern="1200" dirty="0" smtClean="0">
+                          <a:solidFill>
+                            <a:schemeClr val="dk1"/>
+                          </a:solidFill>
+                          <a:effectLst/>
+                          <a:latin typeface="+mn-lt"/>
+                          <a:ea typeface="+mn-ea"/>
+                          <a:cs typeface="+mn-cs"/>
+                        </a:rPr>
+                        <a:t>, Amazon EMR is a faster platform</a:t>
+                      </a:r>
+                      <a:endParaRPr lang="en-GB" sz="1400" dirty="0"/>
                     </a:p>
                   </a:txBody>
                   <a:tcPr/>
@@ -3959,10 +4116,10 @@
           <a:lstStyle/>
           <a:p>
             <a:r>
-              <a:rPr lang="en-GB" dirty="0" smtClean="0"/>
+              <a:rPr lang="en-GB" b="1" dirty="0" smtClean="0"/>
               <a:t>Conclusion:</a:t>
             </a:r>
-            <a:endParaRPr lang="en-GB" dirty="0"/>
+            <a:endParaRPr lang="en-GB" b="1" dirty="0"/>
           </a:p>
         </p:txBody>
       </p:sp>
@@ -4049,30 +4206,34 @@
           <a:lstStyle/>
           <a:p>
             <a:r>
-              <a:rPr lang="en-GB" sz="3200" b="1" dirty="0"/>
+              <a:rPr lang="en-GB" sz="2800" b="1" dirty="0"/>
               <a:t>AI </a:t>
             </a:r>
             <a:r>
-              <a:rPr lang="en-GB" sz="3200" b="1" dirty="0" smtClean="0"/>
+              <a:rPr lang="en-GB" sz="2800" b="1" dirty="0" smtClean="0"/>
               <a:t>services:</a:t>
             </a:r>
             <a:r>
               <a:rPr lang="en-GB" sz="2800" dirty="0" smtClean="0"/>
-              <a:t> (</a:t>
-            </a:r>
-            <a:r>
-              <a:rPr lang="en-GB" sz="2800" i="1" dirty="0" smtClean="0"/>
+              <a:t> </a:t>
+            </a:r>
+            <a:r>
+              <a:rPr lang="en-GB" sz="2400" dirty="0" smtClean="0"/>
+              <a:t>(</a:t>
+            </a:r>
+            <a:r>
+              <a:rPr lang="en-GB" sz="2400" i="1" dirty="0" smtClean="0"/>
               <a:t>AI </a:t>
             </a:r>
             <a:r>
-              <a:rPr lang="en-GB" sz="2800" i="1" dirty="0"/>
+              <a:rPr lang="en-GB" sz="2400" i="1" dirty="0"/>
               <a:t>as a service allows individuals and companies to experiment with AI for various purposes without large initial investment and with lower </a:t>
             </a:r>
             <a:r>
-              <a:rPr lang="en-GB" sz="2800" i="1" dirty="0" smtClean="0"/>
+              <a:rPr lang="en-GB" sz="2400" i="1" dirty="0" smtClean="0"/>
               <a:t>risk)</a:t>
             </a:r>
-            <a:endParaRPr lang="en-GB" sz="2800" i="1" dirty="0"/>
+            <a:endParaRPr lang="en-GB" sz="2400" i="1" dirty="0"/>
           </a:p>
         </p:txBody>
       </p:sp>
@@ -4086,145 +4247,162 @@
             <p:ph idx="1"/>
           </p:nvPr>
         </p:nvSpPr>
-        <p:spPr/>
+        <p:spPr>
+          <a:xfrm>
+            <a:off x="838200" y="1825625"/>
+            <a:ext cx="10515600" cy="4508914"/>
+          </a:xfrm>
+        </p:spPr>
         <p:txBody>
           <a:bodyPr>
-            <a:normAutofit fontScale="92500" lnSpcReduction="10000"/>
+            <a:noAutofit/>
           </a:bodyPr>
           <a:lstStyle/>
           <a:p>
             <a:r>
-              <a:rPr lang="en-GB" dirty="0" smtClean="0"/>
+              <a:rPr lang="en-GB" sz="2400" b="1" dirty="0" smtClean="0"/>
               <a:t>AWS Polly: </a:t>
             </a:r>
             <a:r>
-              <a:rPr lang="en-GB" dirty="0"/>
+              <a:rPr lang="en-GB" sz="2200" dirty="0"/>
               <a:t>is a service that turns text into lifelike </a:t>
             </a:r>
             <a:r>
-              <a:rPr lang="en-GB" dirty="0" smtClean="0"/>
+              <a:rPr lang="en-GB" sz="2200" dirty="0" smtClean="0"/>
               <a:t>speech (TTS)</a:t>
             </a:r>
-            <a:endParaRPr lang="en-GB" dirty="0"/>
-          </a:p>
-          <a:p>
-            <a:r>
-              <a:rPr lang="en-GB" dirty="0"/>
+            <a:endParaRPr lang="en-GB" sz="2200" dirty="0"/>
+          </a:p>
+          <a:p>
+            <a:r>
+              <a:rPr lang="en-GB" sz="2400" b="1" dirty="0"/>
               <a:t>AWS </a:t>
             </a:r>
             <a:r>
-              <a:rPr lang="en-GB" dirty="0" smtClean="0"/>
+              <a:rPr lang="en-GB" sz="2400" b="1" dirty="0" smtClean="0"/>
               <a:t>Transcribe: </a:t>
             </a:r>
             <a:r>
-              <a:rPr lang="en-GB" dirty="0"/>
+              <a:rPr lang="en-GB" sz="2200" dirty="0"/>
               <a:t>speech-to-text</a:t>
             </a:r>
-            <a:endParaRPr lang="en-GB" dirty="0"/>
-          </a:p>
-          <a:p>
-            <a:r>
-              <a:rPr lang="en-GB" dirty="0"/>
+          </a:p>
+          <a:p>
+            <a:r>
+              <a:rPr lang="en-GB" sz="2400" b="1" dirty="0"/>
               <a:t>AWS </a:t>
             </a:r>
             <a:r>
-              <a:rPr lang="en-GB" dirty="0" smtClean="0"/>
+              <a:rPr lang="en-GB" sz="2400" b="1" dirty="0" smtClean="0"/>
               <a:t>Translate: </a:t>
             </a:r>
             <a:r>
-              <a:rPr lang="en-GB" dirty="0"/>
+              <a:rPr lang="en-GB" sz="2200" dirty="0"/>
               <a:t> is a neural machine translation service that delivers fast, high-quality, affordable, and customizable language translation</a:t>
             </a:r>
-            <a:endParaRPr lang="en-GB" dirty="0"/>
-          </a:p>
-          <a:p>
-            <a:r>
-              <a:rPr lang="en-GB" dirty="0"/>
+          </a:p>
+          <a:p>
+            <a:r>
+              <a:rPr lang="en-GB" sz="2400" b="1" dirty="0"/>
               <a:t>AWS </a:t>
             </a:r>
             <a:r>
-              <a:rPr lang="en-GB" dirty="0" err="1" smtClean="0"/>
+              <a:rPr lang="en-GB" sz="2400" b="1" dirty="0" err="1" smtClean="0"/>
               <a:t>Rekognition</a:t>
             </a:r>
             <a:r>
-              <a:rPr lang="en-GB" dirty="0" smtClean="0"/>
-              <a:t>: </a:t>
-            </a:r>
-            <a:r>
-              <a:rPr lang="en-GB" dirty="0"/>
+              <a:rPr lang="en-GB" sz="2400" b="1" dirty="0" smtClean="0"/>
+              <a:t>:</a:t>
+            </a:r>
+            <a:r>
+              <a:rPr lang="en-GB" sz="2200" b="1" dirty="0" smtClean="0"/>
+              <a:t> </a:t>
+            </a:r>
+            <a:r>
+              <a:rPr lang="en-GB" sz="2200" dirty="0"/>
               <a:t>pre-trained </a:t>
             </a:r>
             <a:r>
-              <a:rPr lang="en-GB" dirty="0" smtClean="0"/>
+              <a:rPr lang="en-GB" sz="2200" dirty="0" smtClean="0"/>
               <a:t>computer </a:t>
             </a:r>
             <a:r>
-              <a:rPr lang="en-GB"/>
+              <a:rPr lang="en-GB" sz="2200" dirty="0"/>
               <a:t>vision </a:t>
             </a:r>
             <a:r>
-              <a:rPr lang="en-GB" smtClean="0"/>
-              <a:t>that </a:t>
-            </a:r>
-            <a:r>
-              <a:rPr lang="en-GB" dirty="0" smtClean="0"/>
-              <a:t>can extract </a:t>
-            </a:r>
-            <a:r>
-              <a:rPr lang="en-GB" dirty="0"/>
+              <a:rPr lang="en-GB" sz="2200" dirty="0" smtClean="0"/>
+              <a:t>that can extract </a:t>
+            </a:r>
+            <a:r>
+              <a:rPr lang="en-GB" sz="2200" dirty="0"/>
               <a:t>information and insights from your images and videos</a:t>
             </a:r>
-            <a:endParaRPr lang="en-GB" dirty="0"/>
-          </a:p>
-          <a:p>
-            <a:r>
-              <a:rPr lang="en-GB" dirty="0"/>
+          </a:p>
+          <a:p>
+            <a:r>
+              <a:rPr lang="en-GB" sz="2400" b="1" dirty="0"/>
               <a:t>AWS </a:t>
             </a:r>
             <a:r>
-              <a:rPr lang="en-GB" dirty="0" smtClean="0"/>
-              <a:t>Comprehend: is a </a:t>
-            </a:r>
-            <a:r>
-              <a:rPr lang="en-GB" dirty="0"/>
+              <a:rPr lang="en-GB" sz="2400" b="1" dirty="0" smtClean="0"/>
+              <a:t>Comprehend: </a:t>
+            </a:r>
+            <a:r>
+              <a:rPr lang="en-GB" sz="2200" dirty="0" smtClean="0"/>
+              <a:t>is a </a:t>
+            </a:r>
+            <a:r>
+              <a:rPr lang="en-GB" sz="2200" dirty="0"/>
               <a:t>natural-language processing (NLP) service that uses machine learning to uncover valuable insights and connections in </a:t>
             </a:r>
             <a:r>
-              <a:rPr lang="en-GB" dirty="0" smtClean="0"/>
+              <a:rPr lang="en-GB" sz="2200" dirty="0" smtClean="0"/>
               <a:t>text</a:t>
             </a:r>
-            <a:endParaRPr lang="en-GB" dirty="0"/>
-          </a:p>
-          <a:p>
-            <a:r>
-              <a:rPr lang="en-GB" dirty="0"/>
+            <a:endParaRPr lang="en-GB" sz="2200" dirty="0"/>
+          </a:p>
+          <a:p>
+            <a:r>
+              <a:rPr lang="en-GB" sz="2400" b="1" dirty="0"/>
               <a:t>AWS Comprehend </a:t>
             </a:r>
             <a:r>
-              <a:rPr lang="en-GB" dirty="0" smtClean="0"/>
-              <a:t>Medical: NLP service trained to </a:t>
-            </a:r>
-            <a:r>
-              <a:rPr lang="en-GB" dirty="0"/>
+              <a:rPr lang="en-GB" sz="2400" b="1" dirty="0" smtClean="0"/>
+              <a:t>Medical: </a:t>
+            </a:r>
+            <a:r>
+              <a:rPr lang="en-GB" sz="2200" dirty="0" smtClean="0"/>
+              <a:t>NLP service trained to </a:t>
+            </a:r>
+            <a:r>
+              <a:rPr lang="en-GB" sz="2200" dirty="0"/>
               <a:t>extract health data from medical text</a:t>
             </a:r>
-            <a:endParaRPr lang="en-GB" dirty="0"/>
-          </a:p>
-          <a:p>
-            <a:r>
-              <a:rPr lang="en-GB" dirty="0"/>
+          </a:p>
+          <a:p>
+            <a:r>
+              <a:rPr lang="en-GB" sz="2400" b="1" dirty="0"/>
               <a:t>AWS </a:t>
             </a:r>
             <a:r>
-              <a:rPr lang="en-GB" dirty="0" smtClean="0"/>
-              <a:t>Lex: intelligent </a:t>
-            </a:r>
-            <a:r>
-              <a:rPr lang="en-GB" dirty="0" err="1" smtClean="0"/>
+              <a:rPr lang="en-GB" sz="2400" b="1" dirty="0" smtClean="0"/>
+              <a:t>Lex:</a:t>
+            </a:r>
+            <a:r>
+              <a:rPr lang="en-GB" sz="2200" b="1" dirty="0" smtClean="0"/>
+              <a:t> </a:t>
+            </a:r>
+            <a:r>
+              <a:rPr lang="en-GB" sz="2200" dirty="0" smtClean="0"/>
+              <a:t>intelligent </a:t>
+            </a:r>
+            <a:r>
+              <a:rPr lang="en-GB" sz="2200" dirty="0" err="1" smtClean="0"/>
               <a:t>chatbot</a:t>
             </a:r>
             <a:r>
-              <a:rPr lang="en-GB" dirty="0" smtClean="0"/>
+              <a:rPr lang="en-GB" sz="2200" dirty="0" smtClean="0"/>
               <a:t> that can be added into application interface</a:t>
             </a:r>
           </a:p>
@@ -4246,7 +4424,7 @@
 <file path=ppt/theme/theme1.xml><?xml version="1.0" encoding="utf-8"?>
 <a:theme xmlns:a="http://schemas.openxmlformats.org/drawingml/2006/main" name="Office Theme">
   <a:themeElements>
-    <a:clrScheme name="Office">
+    <a:clrScheme name="Office Theme">
       <a:dk1>
         <a:sysClr val="windowText" lastClr="000000"/>
       </a:dk1>
@@ -4260,22 +4438,22 @@
         <a:srgbClr val="E7E6E6"/>
       </a:lt2>
       <a:accent1>
-        <a:srgbClr val="5B9BD5"/>
+        <a:srgbClr val="1D9A78"/>
       </a:accent1>
       <a:accent2>
-        <a:srgbClr val="ED7D31"/>
+        <a:srgbClr val="8BC145"/>
       </a:accent2>
       <a:accent3>
-        <a:srgbClr val="A5A5A5"/>
+        <a:srgbClr val="36AFCE"/>
       </a:accent3>
       <a:accent4>
-        <a:srgbClr val="FFC000"/>
+        <a:srgbClr val="1D6FA9"/>
       </a:accent4>
       <a:accent5>
-        <a:srgbClr val="4472C4"/>
+        <a:srgbClr val="B74919"/>
       </a:accent5>
       <a:accent6>
-        <a:srgbClr val="70AD47"/>
+        <a:srgbClr val="F19D19"/>
       </a:accent6>
       <a:hlink>
         <a:srgbClr val="0563C1"/>
@@ -4284,7 +4462,7 @@
         <a:srgbClr val="954F72"/>
       </a:folHlink>
     </a:clrScheme>
-    <a:fontScheme name="Office">
+    <a:fontScheme name="Office Theme">
       <a:majorFont>
         <a:latin typeface="Calibri Light" panose="020F0302020204030204"/>
         <a:ea typeface=""/>
@@ -4356,7 +4534,7 @@
         <a:font script="Geor" typeface="Sylfaen"/>
       </a:minorFont>
     </a:fontScheme>
-    <a:fmtScheme name="Office">
+    <a:fmtScheme name="Office Theme">
       <a:fillStyleLst>
         <a:solidFill>
           <a:schemeClr val="phClr"/>
@@ -4498,7 +4676,7 @@
   <a:extraClrSchemeLst/>
   <a:extLst>
     <a:ext uri="{05A4C25C-085E-4340-85A3-A5531E510DB2}">
-      <thm15:themeFamily xmlns:thm15="http://schemas.microsoft.com/office/thememl/2012/main" name="Office Theme" id="{62F939B6-93AF-4DB8-9C6B-D6C7DFDC589F}" vid="{4A3C46E8-61CC-4603-A589-7422A47A8E4A}"/>
+      <thm15:themeFamily xmlns:thm15="http://schemas.microsoft.com/office/thememl/2012/main" name="Office Theme" id="{62F939B6-93AF-4DB8-9C6B-D6C7DFDC589F}" vid="{AE6F2518-B084-4896-AF52-66CC2144AA26}"/>
     </a:ext>
   </a:extLst>
 </a:theme>
